--- a/SBOL-Visual-IWBDA2020.pptx
+++ b/SBOL-Visual-IWBDA2020.pptx
@@ -228,7 +228,7 @@
           <a:p>
             <a:fld id="{9BCACCAD-939A-534B-BD3C-7263FE43D5A1}" type="datetimeFigureOut">
               <a:rPr lang="en-US" smtClean="0"/>
-              <a:t>8/3/20</a:t>
+              <a:t>8/5/20</a:t>
             </a:fld>
             <a:endParaRPr lang="en-US"/>
           </a:p>
@@ -395,7 +395,7 @@
             <a:fld id="{7D0468E1-02D2-4C4B-B9A7-6C361D2976BF}" type="datetimeFigureOut">
               <a:rPr lang="en-US" smtClean="0"/>
               <a:pPr/>
-              <a:t>8/3/20</a:t>
+              <a:t>8/5/20</a:t>
             </a:fld>
             <a:endParaRPr lang="en-US"/>
           </a:p>
@@ -1190,7 +1190,7 @@
             </a:pPr>
             <a:fld id="{D4C4494E-AEE8-4249-B9E7-3001EFB60628}" type="datetime1">
               <a:rPr lang="en-US" smtClean="0"/>
-              <a:t>8/3/20</a:t>
+              <a:t>8/5/20</a:t>
             </a:fld>
             <a:endParaRPr lang="en-US"/>
           </a:p>
@@ -1414,7 +1414,7 @@
             </a:pPr>
             <a:fld id="{EDBAF501-F139-4F46-AA0E-7922050862A6}" type="datetime1">
               <a:rPr lang="en-US" smtClean="0"/>
-              <a:t>8/3/20</a:t>
+              <a:t>8/5/20</a:t>
             </a:fld>
             <a:endParaRPr lang="en-US"/>
           </a:p>
@@ -1611,7 +1611,7 @@
             </a:pPr>
             <a:fld id="{DF434BE0-6040-0546-A6A9-D86D64066F6F}" type="datetime1">
               <a:rPr lang="en-US" smtClean="0"/>
-              <a:t>8/3/20</a:t>
+              <a:t>8/5/20</a:t>
             </a:fld>
             <a:endParaRPr lang="en-US"/>
           </a:p>
@@ -1798,7 +1798,7 @@
             </a:pPr>
             <a:fld id="{5803035A-A9F2-1A47-895C-BF129996287C}" type="datetime1">
               <a:rPr lang="en-US" smtClean="0"/>
-              <a:t>8/3/20</a:t>
+              <a:t>8/5/20</a:t>
             </a:fld>
             <a:endParaRPr lang="en-US"/>
           </a:p>
@@ -2062,7 +2062,7 @@
             </a:pPr>
             <a:fld id="{7EA176FE-CD0B-B349-823B-279359543214}" type="datetime1">
               <a:rPr lang="en-US" smtClean="0"/>
-              <a:t>8/3/20</a:t>
+              <a:t>8/5/20</a:t>
             </a:fld>
             <a:endParaRPr lang="en-US"/>
           </a:p>
@@ -2366,7 +2366,7 @@
             </a:pPr>
             <a:fld id="{9D377EFE-52E4-3749-80E0-C8C335780E0E}" type="datetime1">
               <a:rPr lang="en-US" smtClean="0"/>
-              <a:t>8/3/20</a:t>
+              <a:t>8/5/20</a:t>
             </a:fld>
             <a:endParaRPr lang="en-US"/>
           </a:p>
@@ -2804,7 +2804,7 @@
             </a:pPr>
             <a:fld id="{811F117D-F452-474E-BAA7-11774850649E}" type="datetime1">
               <a:rPr lang="en-US" smtClean="0"/>
-              <a:t>8/3/20</a:t>
+              <a:t>8/5/20</a:t>
             </a:fld>
             <a:endParaRPr lang="en-US"/>
           </a:p>
@@ -2940,7 +2940,7 @@
             </a:pPr>
             <a:fld id="{B12CA690-4C3F-4B42-B8C1-F08C2F246B66}" type="datetime1">
               <a:rPr lang="en-US" smtClean="0"/>
-              <a:t>8/3/20</a:t>
+              <a:t>8/5/20</a:t>
             </a:fld>
             <a:endParaRPr lang="en-US"/>
           </a:p>
@@ -3054,7 +3054,7 @@
             </a:pPr>
             <a:fld id="{7521163A-2E1D-194C-ACF6-BDA0DA51EF2D}" type="datetime1">
               <a:rPr lang="en-US" smtClean="0"/>
-              <a:t>8/3/20</a:t>
+              <a:t>8/5/20</a:t>
             </a:fld>
             <a:endParaRPr lang="en-US"/>
           </a:p>
@@ -3348,7 +3348,7 @@
             </a:pPr>
             <a:fld id="{AF06CD89-0100-024B-906E-D05A5A35377A}" type="datetime1">
               <a:rPr lang="en-US" smtClean="0"/>
-              <a:t>8/3/20</a:t>
+              <a:t>8/5/20</a:t>
             </a:fld>
             <a:endParaRPr lang="en-US"/>
           </a:p>
@@ -3622,7 +3622,7 @@
             </a:pPr>
             <a:fld id="{D37A80E7-2899-EC42-9278-CCA06E4B4348}" type="datetime1">
               <a:rPr lang="en-US" smtClean="0"/>
-              <a:t>8/3/20</a:t>
+              <a:t>8/5/20</a:t>
             </a:fld>
             <a:endParaRPr lang="en-US"/>
           </a:p>
@@ -3869,7 +3869,7 @@
             </a:pPr>
             <a:fld id="{4C565898-C8F4-E148-A4C5-6D4AB9312921}" type="datetime1">
               <a:rPr lang="en-US" smtClean="0"/>
-              <a:t>8/3/20</a:t>
+              <a:t>8/5/20</a:t>
             </a:fld>
             <a:endParaRPr lang="en-US"/>
           </a:p>
@@ -4510,7 +4510,7 @@
         </p:blipFill>
         <p:spPr>
           <a:xfrm>
-            <a:off x="2379104" y="1398170"/>
+            <a:off x="2379103" y="1114337"/>
             <a:ext cx="4385790" cy="1782919"/>
           </a:xfrm>
           <a:prstGeom prst="rect">
@@ -4530,7 +4530,7 @@
         </p:nvSpPr>
         <p:spPr>
           <a:xfrm>
-            <a:off x="2119891" y="3318918"/>
+            <a:off x="2119891" y="2784665"/>
             <a:ext cx="6251137" cy="820423"/>
           </a:xfrm>
         </p:spPr>
@@ -4633,7 +4633,7 @@
         </p:nvSpPr>
         <p:spPr>
           <a:xfrm>
-            <a:off x="457200" y="238467"/>
+            <a:off x="457200" y="113014"/>
             <a:ext cx="8229600" cy="1283137"/>
           </a:xfrm>
         </p:spPr>
@@ -4645,7 +4645,7 @@
           <a:p>
             <a:pPr algn="ctr"/>
             <a:r>
-              <a:rPr lang="en-US" sz="4000" b="1" dirty="0">
+              <a:rPr lang="en-US" sz="3600" b="1" dirty="0">
                 <a:solidFill>
                   <a:srgbClr val="8ACA30"/>
                 </a:solidFill>
@@ -4653,14 +4653,14 @@
               <a:t>SBOL Visual: </a:t>
             </a:r>
             <a:br>
-              <a:rPr lang="en-US" sz="4000" b="1" dirty="0">
+              <a:rPr lang="en-US" sz="3600" b="1" dirty="0">
                 <a:solidFill>
                   <a:srgbClr val="8ACA30"/>
                 </a:solidFill>
               </a:rPr>
             </a:br>
             <a:r>
-              <a:rPr lang="en-US" sz="4000" b="1" dirty="0">
+              <a:rPr lang="en-US" sz="3600" b="1" dirty="0">
                 <a:solidFill>
                   <a:srgbClr val="8ACA30"/>
                 </a:solidFill>
@@ -4778,7 +4778,7 @@
         </p:blipFill>
         <p:spPr>
           <a:xfrm>
-            <a:off x="821442" y="4168577"/>
+            <a:off x="821442" y="3634324"/>
             <a:ext cx="1192077" cy="1283138"/>
           </a:xfrm>
           <a:prstGeom prst="rect">
@@ -4802,7 +4802,7 @@
         </p:nvSpPr>
         <p:spPr bwMode="auto">
           <a:xfrm>
-            <a:off x="221672" y="5703458"/>
+            <a:off x="221672" y="5837020"/>
             <a:ext cx="8700655" cy="626951"/>
           </a:xfrm>
           <a:prstGeom prst="rect">
@@ -5075,7 +5075,7 @@
         </p:nvSpPr>
         <p:spPr bwMode="auto">
           <a:xfrm>
-            <a:off x="2119891" y="4498116"/>
+            <a:off x="2119891" y="3963863"/>
             <a:ext cx="5580974" cy="830387"/>
           </a:xfrm>
           <a:prstGeom prst="rect">
@@ -5340,7 +5340,7 @@
         </p:blipFill>
         <p:spPr>
           <a:xfrm>
-            <a:off x="821442" y="3021490"/>
+            <a:off x="821442" y="2487237"/>
             <a:ext cx="1192076" cy="1216570"/>
           </a:xfrm>
           <a:prstGeom prst="rect">
@@ -5348,6 +5348,151 @@
           </a:prstGeom>
         </p:spPr>
       </p:pic>
+      <p:grpSp>
+        <p:nvGrpSpPr>
+          <p:cNvPr id="9" name="Group 8">
+            <a:extLst>
+              <a:ext uri="{FF2B5EF4-FFF2-40B4-BE49-F238E27FC236}">
+                <a16:creationId xmlns:a16="http://schemas.microsoft.com/office/drawing/2014/main" id="{C60868EC-DE85-2C4F-B66E-3884915C54C5}"/>
+              </a:ext>
+            </a:extLst>
+          </p:cNvPr>
+          <p:cNvGrpSpPr/>
+          <p:nvPr/>
+        </p:nvGrpSpPr>
+        <p:grpSpPr>
+          <a:xfrm>
+            <a:off x="905770" y="5048932"/>
+            <a:ext cx="7332457" cy="584775"/>
+            <a:chOff x="734602" y="5067061"/>
+            <a:chExt cx="7332457" cy="584775"/>
+          </a:xfrm>
+        </p:grpSpPr>
+        <p:sp>
+          <p:nvSpPr>
+            <p:cNvPr id="8" name="Rounded Rectangle 7">
+              <a:extLst>
+                <a:ext uri="{FF2B5EF4-FFF2-40B4-BE49-F238E27FC236}">
+                  <a16:creationId xmlns:a16="http://schemas.microsoft.com/office/drawing/2014/main" id="{C41AF718-531F-5445-B7BD-C7755EF559C6}"/>
+                </a:ext>
+              </a:extLst>
+            </p:cNvPr>
+            <p:cNvSpPr/>
+            <p:nvPr/>
+          </p:nvSpPr>
+          <p:spPr>
+            <a:xfrm>
+              <a:off x="734602" y="5067061"/>
+              <a:ext cx="7332457" cy="584775"/>
+            </a:xfrm>
+            <a:prstGeom prst="roundRect">
+              <a:avLst/>
+            </a:prstGeom>
+            <a:solidFill>
+              <a:schemeClr val="bg1">
+                <a:lumMod val="95000"/>
+              </a:schemeClr>
+            </a:solidFill>
+            <a:ln>
+              <a:noFill/>
+            </a:ln>
+          </p:spPr>
+          <p:style>
+            <a:lnRef idx="1">
+              <a:schemeClr val="accent1"/>
+            </a:lnRef>
+            <a:fillRef idx="3">
+              <a:schemeClr val="accent1"/>
+            </a:fillRef>
+            <a:effectRef idx="2">
+              <a:schemeClr val="accent1"/>
+            </a:effectRef>
+            <a:fontRef idx="minor">
+              <a:schemeClr val="lt1"/>
+            </a:fontRef>
+          </p:style>
+          <p:txBody>
+            <a:bodyPr rtlCol="0" anchor="ctr"/>
+            <a:lstStyle/>
+            <a:p>
+              <a:pPr algn="ctr"/>
+              <a:endParaRPr lang="en-GB"/>
+            </a:p>
+          </p:txBody>
+        </p:sp>
+        <p:sp>
+          <p:nvSpPr>
+            <p:cNvPr id="7" name="Rectangle 6">
+              <a:extLst>
+                <a:ext uri="{FF2B5EF4-FFF2-40B4-BE49-F238E27FC236}">
+                  <a16:creationId xmlns:a16="http://schemas.microsoft.com/office/drawing/2014/main" id="{9AFB1C52-84FF-654E-AFDF-8E4CB9494059}"/>
+                </a:ext>
+              </a:extLst>
+            </p:cNvPr>
+            <p:cNvSpPr/>
+            <p:nvPr/>
+          </p:nvSpPr>
+          <p:spPr>
+            <a:xfrm>
+              <a:off x="734602" y="5067061"/>
+              <a:ext cx="7332457" cy="584775"/>
+            </a:xfrm>
+            <a:prstGeom prst="rect">
+              <a:avLst/>
+            </a:prstGeom>
+          </p:spPr>
+          <p:txBody>
+            <a:bodyPr wrap="none">
+              <a:spAutoFit/>
+            </a:bodyPr>
+            <a:lstStyle/>
+            <a:p>
+              <a:r>
+                <a:rPr lang="en-GB" sz="3200" dirty="0">
+                  <a:solidFill>
+                    <a:schemeClr val="bg1">
+                      <a:lumMod val="50000"/>
+                    </a:schemeClr>
+                  </a:solidFill>
+                  <a:latin typeface="Arial" panose="020B0604020202020204" pitchFamily="34" charset="0"/>
+                  <a:cs typeface="Arial" panose="020B0604020202020204" pitchFamily="34" charset="0"/>
+                </a:rPr>
+                <a:t>Slides and code: </a:t>
+              </a:r>
+              <a:r>
+                <a:rPr lang="en-GB" sz="3200" b="1" dirty="0">
+                  <a:solidFill>
+                    <a:srgbClr val="C00000"/>
+                  </a:solidFill>
+                  <a:latin typeface="Arial" panose="020B0604020202020204" pitchFamily="34" charset="0"/>
+                  <a:cs typeface="Arial" panose="020B0604020202020204" pitchFamily="34" charset="0"/>
+                </a:rPr>
+                <a:t>https://</a:t>
+              </a:r>
+              <a:r>
+                <a:rPr lang="en-GB" sz="3200" b="1" dirty="0" err="1">
+                  <a:solidFill>
+                    <a:srgbClr val="C00000"/>
+                  </a:solidFill>
+                  <a:latin typeface="Arial" panose="020B0604020202020204" pitchFamily="34" charset="0"/>
+                  <a:cs typeface="Arial" panose="020B0604020202020204" pitchFamily="34" charset="0"/>
+                </a:rPr>
+                <a:t>bit.ly</a:t>
+              </a:r>
+              <a:r>
+                <a:rPr lang="en-GB" sz="3200" b="1" dirty="0">
+                  <a:solidFill>
+                    <a:srgbClr val="C00000"/>
+                  </a:solidFill>
+                  <a:latin typeface="Arial" panose="020B0604020202020204" pitchFamily="34" charset="0"/>
+                  <a:cs typeface="Arial" panose="020B0604020202020204" pitchFamily="34" charset="0"/>
+                </a:rPr>
+                <a:t>/33v9Q5i</a:t>
+              </a:r>
+            </a:p>
+          </p:txBody>
+        </p:sp>
+      </p:grpSp>
     </p:spTree>
     <p:extLst>
       <p:ext uri="{BB962C8B-B14F-4D97-AF65-F5344CB8AC3E}">
@@ -14408,22 +14553,7 @@
                   </a:extLst>
                 </a:hlinkClick>
               </a:rPr>
-              <a:t>http://sbolstandard.org/visual</a:t>
-            </a:r>
-            <a:r>
-              <a:rPr lang="en-US" dirty="0">
-                <a:solidFill>
-                  <a:srgbClr val="61A728"/>
-                </a:solidFill>
-                <a:hlinkClick r:id="rId2">
-                  <a:extLst>
-                    <a:ext uri="{A12FA001-AC4F-418D-AE19-62706E023703}">
-                      <ahyp:hlinkClr xmlns:ahyp="http://schemas.microsoft.com/office/drawing/2018/hyperlinkcolor" val="tx"/>
-                    </a:ext>
-                  </a:extLst>
-                </a:hlinkClick>
-              </a:rPr>
-              <a:t>/</a:t>
+              <a:t>http://sbolstandard.org/visual/</a:t>
             </a:r>
             <a:r>
               <a:rPr lang="en-US" dirty="0">
@@ -14436,6 +14566,9 @@
           </a:p>
           <a:p>
             <a:endParaRPr lang="en-US" dirty="0"/>
+          </a:p>
+          <a:p>
+            <a:endParaRPr lang="en-US" sz="2000" dirty="0"/>
           </a:p>
           <a:p>
             <a:r>
@@ -14540,6 +14673,118 @@
                 </a:solidFill>
               </a:rPr>
               <a:t> </a:t>
+            </a:r>
+          </a:p>
+        </p:txBody>
+      </p:sp>
+      <p:sp>
+        <p:nvSpPr>
+          <p:cNvPr id="4" name="Rounded Rectangle 3">
+            <a:extLst>
+              <a:ext uri="{FF2B5EF4-FFF2-40B4-BE49-F238E27FC236}">
+                <a16:creationId xmlns:a16="http://schemas.microsoft.com/office/drawing/2014/main" id="{B615F357-1704-104F-86C3-6048486053A6}"/>
+              </a:ext>
+            </a:extLst>
+          </p:cNvPr>
+          <p:cNvSpPr/>
+          <p:nvPr/>
+        </p:nvSpPr>
+        <p:spPr>
+          <a:xfrm>
+            <a:off x="3431116" y="3091523"/>
+            <a:ext cx="2281767" cy="674953"/>
+          </a:xfrm>
+          <a:prstGeom prst="roundRect">
+            <a:avLst/>
+          </a:prstGeom>
+          <a:solidFill>
+            <a:srgbClr val="C00000"/>
+          </a:solidFill>
+          <a:ln>
+            <a:noFill/>
+          </a:ln>
+        </p:spPr>
+        <p:style>
+          <a:lnRef idx="1">
+            <a:schemeClr val="accent1"/>
+          </a:lnRef>
+          <a:fillRef idx="3">
+            <a:schemeClr val="accent1"/>
+          </a:fillRef>
+          <a:effectRef idx="2">
+            <a:schemeClr val="accent1"/>
+          </a:effectRef>
+          <a:fontRef idx="minor">
+            <a:schemeClr val="lt1"/>
+          </a:fontRef>
+        </p:style>
+        <p:txBody>
+          <a:bodyPr rtlCol="0" anchor="ctr"/>
+          <a:lstStyle/>
+          <a:p>
+            <a:pPr algn="ctr"/>
+            <a:r>
+              <a:rPr lang="en-GB" sz="3600" b="1" dirty="0">
+                <a:latin typeface="Arial" panose="020B0604020202020204" pitchFamily="34" charset="0"/>
+                <a:cs typeface="Arial" panose="020B0604020202020204" pitchFamily="34" charset="0"/>
+              </a:rPr>
+              <a:t>DEMO!</a:t>
+            </a:r>
+          </a:p>
+        </p:txBody>
+      </p:sp>
+      <p:sp>
+        <p:nvSpPr>
+          <p:cNvPr id="5" name="Rounded Rectangle 4">
+            <a:extLst>
+              <a:ext uri="{FF2B5EF4-FFF2-40B4-BE49-F238E27FC236}">
+                <a16:creationId xmlns:a16="http://schemas.microsoft.com/office/drawing/2014/main" id="{AD54EF6F-AD8A-0245-A2BE-1BF2A564932F}"/>
+              </a:ext>
+            </a:extLst>
+          </p:cNvPr>
+          <p:cNvSpPr/>
+          <p:nvPr/>
+        </p:nvSpPr>
+        <p:spPr>
+          <a:xfrm>
+            <a:off x="3431115" y="5814087"/>
+            <a:ext cx="2281767" cy="674953"/>
+          </a:xfrm>
+          <a:prstGeom prst="roundRect">
+            <a:avLst/>
+          </a:prstGeom>
+          <a:solidFill>
+            <a:srgbClr val="C00000"/>
+          </a:solidFill>
+          <a:ln>
+            <a:noFill/>
+          </a:ln>
+        </p:spPr>
+        <p:style>
+          <a:lnRef idx="1">
+            <a:schemeClr val="accent1"/>
+          </a:lnRef>
+          <a:fillRef idx="3">
+            <a:schemeClr val="accent1"/>
+          </a:fillRef>
+          <a:effectRef idx="2">
+            <a:schemeClr val="accent1"/>
+          </a:effectRef>
+          <a:fontRef idx="minor">
+            <a:schemeClr val="lt1"/>
+          </a:fontRef>
+        </p:style>
+        <p:txBody>
+          <a:bodyPr rtlCol="0" anchor="ctr"/>
+          <a:lstStyle/>
+          <a:p>
+            <a:pPr algn="ctr"/>
+            <a:r>
+              <a:rPr lang="en-GB" sz="3600" b="1" dirty="0">
+                <a:latin typeface="Arial" panose="020B0604020202020204" pitchFamily="34" charset="0"/>
+                <a:cs typeface="Arial" panose="020B0604020202020204" pitchFamily="34" charset="0"/>
+              </a:rPr>
+              <a:t>DEMO!</a:t>
             </a:r>
           </a:p>
         </p:txBody>
